--- a/presentation/okok2.pptx
+++ b/presentation/okok2.pptx
@@ -10,13 +10,14 @@
     <p:sldId id="259" r:id="rId4"/>
     <p:sldId id="265" r:id="rId5"/>
     <p:sldId id="266" r:id="rId6"/>
-    <p:sldId id="267" r:id="rId7"/>
-    <p:sldId id="257" r:id="rId8"/>
-    <p:sldId id="262" r:id="rId9"/>
-    <p:sldId id="261" r:id="rId10"/>
-    <p:sldId id="263" r:id="rId11"/>
-    <p:sldId id="260" r:id="rId12"/>
-    <p:sldId id="264" r:id="rId13"/>
+    <p:sldId id="268" r:id="rId7"/>
+    <p:sldId id="267" r:id="rId8"/>
+    <p:sldId id="257" r:id="rId9"/>
+    <p:sldId id="262" r:id="rId10"/>
+    <p:sldId id="261" r:id="rId11"/>
+    <p:sldId id="263" r:id="rId12"/>
+    <p:sldId id="260" r:id="rId13"/>
+    <p:sldId id="264" r:id="rId14"/>
   </p:sldIdLst>
   <p:sldSz cx="12192000" cy="6858000"/>
   <p:notesSz cx="6858000" cy="9144000"/>
@@ -115,6 +116,11 @@
       </a:defRPr>
     </a:lvl9pPr>
   </p:defaultTextStyle>
+  <p:extLst>
+    <p:ext uri="{EFAFB233-063F-42B5-8137-9DF3F51BA10A}">
+      <p15:sldGuideLst xmlns:p15="http://schemas.microsoft.com/office/powerpoint/2012/main"/>
+    </p:ext>
+  </p:extLst>
 </p:presentation>
 </file>
 
@@ -3101,14 +3107,14 @@
           <a:lstStyle/>
           <a:p>
             <a:r>
-              <a:rPr lang="et-EE" dirty="0" err="1" smtClean="0">
+              <a:rPr lang="et-EE" dirty="0" smtClean="0">
                 <a:solidFill>
                   <a:schemeClr val="bg2">
                     <a:lumMod val="50000"/>
                   </a:schemeClr>
                 </a:solidFill>
               </a:rPr>
-              <a:t>Pricing</a:t>
+              <a:t>Market</a:t>
             </a:r>
             <a:endParaRPr lang="et-EE" dirty="0">
               <a:solidFill>
@@ -3132,7 +3138,7 @@
         </p:nvSpPr>
         <p:spPr>
           <a:xfrm>
-            <a:off x="879143" y="2506662"/>
+            <a:off x="838200" y="2506662"/>
             <a:ext cx="10515600" cy="4351338"/>
           </a:xfrm>
         </p:spPr>
@@ -3146,51 +3152,56 @@
               <a:buNone/>
             </a:pPr>
             <a:r>
-              <a:rPr lang="et-EE" sz="4000" dirty="0" smtClean="0"/>
-              <a:t>2.9% + 0.30$   -    </a:t>
-            </a:r>
-            <a:r>
-              <a:rPr lang="et-EE" sz="4000" dirty="0" err="1" smtClean="0"/>
-              <a:t>Stripe</a:t>
-            </a:r>
-            <a:endParaRPr lang="et-EE" sz="4000" dirty="0" smtClean="0"/>
+              <a:rPr lang="et-EE" sz="5400" dirty="0" err="1" smtClean="0"/>
+              <a:t>Farmers</a:t>
+            </a:r>
+            <a:r>
+              <a:rPr lang="et-EE" sz="5400" dirty="0" smtClean="0"/>
+              <a:t> market</a:t>
+            </a:r>
           </a:p>
           <a:p>
             <a:pPr marL="0" indent="0" algn="ctr">
               <a:buNone/>
             </a:pPr>
             <a:r>
-              <a:rPr lang="et-EE" sz="4000" dirty="0" smtClean="0"/>
-              <a:t>+1.1%(</a:t>
-            </a:r>
-            <a:r>
-              <a:rPr lang="et-EE" sz="4000" dirty="0" err="1" smtClean="0"/>
-              <a:t>excl</a:t>
-            </a:r>
-            <a:r>
-              <a:rPr lang="et-EE" sz="4000" dirty="0" smtClean="0"/>
-              <a:t> 0.30$) </a:t>
-            </a:r>
-            <a:r>
-              <a:rPr lang="et-EE" sz="4000" dirty="0" err="1" smtClean="0"/>
-              <a:t>or</a:t>
-            </a:r>
-            <a:r>
-              <a:rPr lang="et-EE" sz="4000" dirty="0" smtClean="0"/>
-              <a:t> min 0.10$ - </a:t>
-            </a:r>
-            <a:r>
-              <a:rPr lang="et-EE" sz="4000" dirty="0" err="1" smtClean="0"/>
-              <a:t>us</a:t>
-            </a:r>
-            <a:endParaRPr lang="et-EE" sz="4000" dirty="0"/>
+              <a:rPr lang="et-EE" sz="5400" dirty="0" err="1" smtClean="0"/>
+              <a:t>Fairs</a:t>
+            </a:r>
+            <a:endParaRPr lang="et-EE" sz="5400" dirty="0" smtClean="0"/>
+          </a:p>
+          <a:p>
+            <a:pPr marL="0" indent="0" algn="ctr">
+              <a:buNone/>
+            </a:pPr>
+            <a:r>
+              <a:rPr lang="et-EE" sz="5400" dirty="0" err="1" smtClean="0"/>
+              <a:t>Taxis</a:t>
+            </a:r>
+            <a:endParaRPr lang="et-EE" sz="5400" dirty="0" smtClean="0"/>
+          </a:p>
+          <a:p>
+            <a:pPr marL="0" indent="0" algn="ctr">
+              <a:buNone/>
+            </a:pPr>
+            <a:r>
+              <a:rPr lang="et-EE" sz="5400" dirty="0" err="1" smtClean="0"/>
+              <a:t>Buses</a:t>
+            </a:r>
+            <a:endParaRPr lang="et-EE" sz="5400" dirty="0" smtClean="0"/>
+          </a:p>
+          <a:p>
+            <a:pPr marL="0" indent="0" algn="ctr">
+              <a:buNone/>
+            </a:pPr>
+            <a:endParaRPr lang="et-EE" sz="5400" dirty="0"/>
           </a:p>
         </p:txBody>
       </p:sp>
     </p:spTree>
     <p:extLst>
       <p:ext uri="{BB962C8B-B14F-4D97-AF65-F5344CB8AC3E}">
-        <p14:creationId xmlns:p14="http://schemas.microsoft.com/office/powerpoint/2010/main" val="754485618"/>
+        <p14:creationId xmlns:p14="http://schemas.microsoft.com/office/powerpoint/2010/main" val="30855922"/>
       </p:ext>
     </p:extLst>
   </p:cSld>
@@ -3252,6 +3263,150 @@
                   </a:schemeClr>
                 </a:solidFill>
               </a:rPr>
+              <a:t>Pricing</a:t>
+            </a:r>
+            <a:endParaRPr lang="et-EE" dirty="0">
+              <a:solidFill>
+                <a:schemeClr val="bg2">
+                  <a:lumMod val="50000"/>
+                </a:schemeClr>
+              </a:solidFill>
+            </a:endParaRPr>
+          </a:p>
+        </p:txBody>
+      </p:sp>
+      <p:sp>
+        <p:nvSpPr>
+          <p:cNvPr id="3" name="Content Placeholder 2"/>
+          <p:cNvSpPr>
+            <a:spLocks noGrp="1"/>
+          </p:cNvSpPr>
+          <p:nvPr>
+            <p:ph idx="1"/>
+          </p:nvPr>
+        </p:nvSpPr>
+        <p:spPr>
+          <a:xfrm>
+            <a:off x="879143" y="2506662"/>
+            <a:ext cx="10515600" cy="4351338"/>
+          </a:xfrm>
+        </p:spPr>
+        <p:txBody>
+          <a:bodyPr>
+            <a:normAutofit/>
+          </a:bodyPr>
+          <a:lstStyle/>
+          <a:p>
+            <a:pPr marL="0" indent="0" algn="ctr">
+              <a:buNone/>
+            </a:pPr>
+            <a:r>
+              <a:rPr lang="et-EE" sz="4000" dirty="0" smtClean="0"/>
+              <a:t>2.9% + 0.30$   -    </a:t>
+            </a:r>
+            <a:r>
+              <a:rPr lang="et-EE" sz="4000" dirty="0" err="1" smtClean="0"/>
+              <a:t>Stripe</a:t>
+            </a:r>
+            <a:endParaRPr lang="et-EE" sz="4000" dirty="0" smtClean="0"/>
+          </a:p>
+          <a:p>
+            <a:pPr marL="0" indent="0" algn="ctr">
+              <a:buNone/>
+            </a:pPr>
+            <a:r>
+              <a:rPr lang="et-EE" sz="4000" dirty="0" smtClean="0"/>
+              <a:t>+1.1%(</a:t>
+            </a:r>
+            <a:r>
+              <a:rPr lang="et-EE" sz="4000" dirty="0" err="1" smtClean="0"/>
+              <a:t>excl</a:t>
+            </a:r>
+            <a:r>
+              <a:rPr lang="et-EE" sz="4000" dirty="0" smtClean="0"/>
+              <a:t> 0.30$) </a:t>
+            </a:r>
+            <a:r>
+              <a:rPr lang="et-EE" sz="4000" dirty="0" err="1" smtClean="0"/>
+              <a:t>or</a:t>
+            </a:r>
+            <a:r>
+              <a:rPr lang="et-EE" sz="4000" dirty="0" smtClean="0"/>
+              <a:t> min 0.10$ - </a:t>
+            </a:r>
+            <a:r>
+              <a:rPr lang="et-EE" sz="4000" dirty="0" err="1" smtClean="0"/>
+              <a:t>us</a:t>
+            </a:r>
+            <a:endParaRPr lang="et-EE" sz="4000" dirty="0"/>
+          </a:p>
+        </p:txBody>
+      </p:sp>
+    </p:spTree>
+    <p:extLst>
+      <p:ext uri="{BB962C8B-B14F-4D97-AF65-F5344CB8AC3E}">
+        <p14:creationId xmlns:p14="http://schemas.microsoft.com/office/powerpoint/2010/main" val="754485618"/>
+      </p:ext>
+    </p:extLst>
+  </p:cSld>
+  <p:clrMapOvr>
+    <a:masterClrMapping/>
+  </p:clrMapOvr>
+  <p:timing>
+    <p:tnLst>
+      <p:par>
+        <p:cTn id="1" dur="indefinite" restart="never" nodeType="tmRoot"/>
+      </p:par>
+    </p:tnLst>
+  </p:timing>
+</p:sld>
+</file>
+
+<file path=ppt/slides/slide12.xml><?xml version="1.0" encoding="utf-8"?>
+<p:sld xmlns:a="http://schemas.openxmlformats.org/drawingml/2006/main" xmlns:r="http://schemas.openxmlformats.org/officeDocument/2006/relationships" xmlns:p="http://schemas.openxmlformats.org/presentationml/2006/main">
+  <p:cSld>
+    <p:spTree>
+      <p:nvGrpSpPr>
+        <p:cNvPr id="1" name=""/>
+        <p:cNvGrpSpPr/>
+        <p:nvPr/>
+      </p:nvGrpSpPr>
+      <p:grpSpPr>
+        <a:xfrm>
+          <a:off x="0" y="0"/>
+          <a:ext cx="0" cy="0"/>
+          <a:chOff x="0" y="0"/>
+          <a:chExt cx="0" cy="0"/>
+        </a:xfrm>
+      </p:grpSpPr>
+      <p:sp>
+        <p:nvSpPr>
+          <p:cNvPr id="2" name="Title 1"/>
+          <p:cNvSpPr>
+            <a:spLocks noGrp="1"/>
+          </p:cNvSpPr>
+          <p:nvPr>
+            <p:ph type="title"/>
+          </p:nvPr>
+        </p:nvSpPr>
+        <p:spPr>
+          <a:xfrm>
+            <a:off x="0" y="0"/>
+            <a:ext cx="10515600" cy="1325563"/>
+          </a:xfrm>
+        </p:spPr>
+        <p:txBody>
+          <a:bodyPr/>
+          <a:lstStyle/>
+          <a:p>
+            <a:r>
+              <a:rPr lang="et-EE" dirty="0" err="1" smtClean="0">
+                <a:solidFill>
+                  <a:schemeClr val="bg2">
+                    <a:lumMod val="50000"/>
+                  </a:schemeClr>
+                </a:solidFill>
+              </a:rPr>
               <a:t>Competition</a:t>
             </a:r>
             <a:endParaRPr lang="et-EE" dirty="0">
@@ -3375,7 +3530,7 @@
 </p:sld>
 </file>
 
-<file path=ppt/slides/slide12.xml><?xml version="1.0" encoding="utf-8"?>
+<file path=ppt/slides/slide13.xml><?xml version="1.0" encoding="utf-8"?>
 <p:sld xmlns:a="http://schemas.openxmlformats.org/drawingml/2006/main" xmlns:r="http://schemas.openxmlformats.org/officeDocument/2006/relationships" xmlns:p="http://schemas.openxmlformats.org/presentationml/2006/main">
   <p:cSld>
     <p:spTree>
@@ -3936,6 +4091,84 @@
       </p:sp>
       <p:pic>
         <p:nvPicPr>
+          <p:cNvPr id="4" name="Content Placeholder 3"/>
+          <p:cNvPicPr>
+            <a:picLocks noGrp="1" noChangeAspect="1"/>
+          </p:cNvPicPr>
+          <p:nvPr>
+            <p:ph idx="1"/>
+          </p:nvPr>
+        </p:nvPicPr>
+        <p:blipFill>
+          <a:blip r:embed="rId2">
+            <a:extLst>
+              <a:ext uri="{28A0092B-C50C-407E-A947-70E740481C1C}">
+                <a14:useLocalDpi xmlns:a14="http://schemas.microsoft.com/office/drawing/2010/main" val="0"/>
+              </a:ext>
+            </a:extLst>
+          </a:blip>
+          <a:stretch>
+            <a:fillRect/>
+          </a:stretch>
+        </p:blipFill>
+        <p:spPr>
+          <a:xfrm>
+            <a:off x="3931177" y="1"/>
+            <a:ext cx="3898480" cy="6858000"/>
+          </a:xfrm>
+        </p:spPr>
+      </p:pic>
+    </p:spTree>
+    <p:extLst>
+      <p:ext uri="{BB962C8B-B14F-4D97-AF65-F5344CB8AC3E}">
+        <p14:creationId xmlns:p14="http://schemas.microsoft.com/office/powerpoint/2010/main" val="2717350868"/>
+      </p:ext>
+    </p:extLst>
+  </p:cSld>
+  <p:clrMapOvr>
+    <a:masterClrMapping/>
+  </p:clrMapOvr>
+</p:sld>
+</file>
+
+<file path=ppt/slides/slide7.xml><?xml version="1.0" encoding="utf-8"?>
+<p:sld xmlns:a="http://schemas.openxmlformats.org/drawingml/2006/main" xmlns:r="http://schemas.openxmlformats.org/officeDocument/2006/relationships" xmlns:p="http://schemas.openxmlformats.org/presentationml/2006/main">
+  <p:cSld>
+    <p:spTree>
+      <p:nvGrpSpPr>
+        <p:cNvPr id="1" name=""/>
+        <p:cNvGrpSpPr/>
+        <p:nvPr/>
+      </p:nvGrpSpPr>
+      <p:grpSpPr>
+        <a:xfrm>
+          <a:off x="0" y="0"/>
+          <a:ext cx="0" cy="0"/>
+          <a:chOff x="0" y="0"/>
+          <a:chExt cx="0" cy="0"/>
+        </a:xfrm>
+      </p:grpSpPr>
+      <p:sp>
+        <p:nvSpPr>
+          <p:cNvPr id="2" name="Title 1"/>
+          <p:cNvSpPr>
+            <a:spLocks noGrp="1"/>
+          </p:cNvSpPr>
+          <p:nvPr>
+            <p:ph type="title"/>
+          </p:nvPr>
+        </p:nvSpPr>
+        <p:spPr/>
+        <p:txBody>
+          <a:bodyPr/>
+          <a:lstStyle/>
+          <a:p>
+            <a:endParaRPr lang="et-EE"/>
+          </a:p>
+        </p:txBody>
+      </p:sp>
+      <p:pic>
+        <p:nvPicPr>
           <p:cNvPr id="8" name="Content Placeholder 7"/>
           <p:cNvPicPr>
             <a:picLocks noGrp="1" noChangeAspect="1"/>
@@ -3983,226 +4216,6 @@
 </p:sld>
 </file>
 
-<file path=ppt/slides/slide7.xml><?xml version="1.0" encoding="utf-8"?>
-<p:sld xmlns:a="http://schemas.openxmlformats.org/drawingml/2006/main" xmlns:r="http://schemas.openxmlformats.org/officeDocument/2006/relationships" xmlns:p="http://schemas.openxmlformats.org/presentationml/2006/main">
-  <p:cSld>
-    <p:spTree>
-      <p:nvGrpSpPr>
-        <p:cNvPr id="1" name=""/>
-        <p:cNvGrpSpPr/>
-        <p:nvPr/>
-      </p:nvGrpSpPr>
-      <p:grpSpPr>
-        <a:xfrm>
-          <a:off x="0" y="0"/>
-          <a:ext cx="0" cy="0"/>
-          <a:chOff x="0" y="0"/>
-          <a:chExt cx="0" cy="0"/>
-        </a:xfrm>
-      </p:grpSpPr>
-      <p:sp>
-        <p:nvSpPr>
-          <p:cNvPr id="2" name="Title 1"/>
-          <p:cNvSpPr>
-            <a:spLocks noGrp="1"/>
-          </p:cNvSpPr>
-          <p:nvPr>
-            <p:ph type="title"/>
-          </p:nvPr>
-        </p:nvSpPr>
-        <p:spPr>
-          <a:xfrm>
-            <a:off x="0" y="0"/>
-            <a:ext cx="10515600" cy="1325563"/>
-          </a:xfrm>
-        </p:spPr>
-        <p:txBody>
-          <a:bodyPr/>
-          <a:lstStyle/>
-          <a:p>
-            <a:r>
-              <a:rPr lang="et-EE" dirty="0" err="1" smtClean="0">
-                <a:solidFill>
-                  <a:schemeClr val="bg2">
-                    <a:lumMod val="50000"/>
-                  </a:schemeClr>
-                </a:solidFill>
-              </a:rPr>
-              <a:t>Metrics</a:t>
-            </a:r>
-            <a:endParaRPr lang="et-EE" dirty="0">
-              <a:solidFill>
-                <a:schemeClr val="bg2">
-                  <a:lumMod val="50000"/>
-                </a:schemeClr>
-              </a:solidFill>
-            </a:endParaRPr>
-          </a:p>
-        </p:txBody>
-      </p:sp>
-      <p:sp>
-        <p:nvSpPr>
-          <p:cNvPr id="3" name="Content Placeholder 2"/>
-          <p:cNvSpPr>
-            <a:spLocks noGrp="1"/>
-          </p:cNvSpPr>
-          <p:nvPr>
-            <p:ph idx="1"/>
-          </p:nvPr>
-        </p:nvSpPr>
-        <p:spPr>
-          <a:xfrm>
-            <a:off x="2980898" y="1757385"/>
-            <a:ext cx="10515600" cy="4351338"/>
-          </a:xfrm>
-        </p:spPr>
-        <p:txBody>
-          <a:bodyPr>
-            <a:normAutofit/>
-          </a:bodyPr>
-          <a:lstStyle/>
-          <a:p>
-            <a:pPr marL="0" indent="0">
-              <a:buNone/>
-            </a:pPr>
-            <a:r>
-              <a:rPr lang="et-EE" dirty="0" smtClean="0"/>
-              <a:t>GOOD</a:t>
-            </a:r>
-          </a:p>
-          <a:p>
-            <a:pPr marL="0" indent="0">
-              <a:buNone/>
-            </a:pPr>
-            <a:r>
-              <a:rPr lang="et-EE" dirty="0" smtClean="0"/>
-              <a:t>% </a:t>
-            </a:r>
-            <a:r>
-              <a:rPr lang="et-EE" dirty="0" err="1" smtClean="0"/>
-              <a:t>first</a:t>
-            </a:r>
-            <a:r>
-              <a:rPr lang="et-EE" dirty="0" smtClean="0"/>
-              <a:t> </a:t>
-            </a:r>
-            <a:r>
-              <a:rPr lang="et-EE" dirty="0" err="1" smtClean="0"/>
-              <a:t>to</a:t>
-            </a:r>
-            <a:r>
-              <a:rPr lang="et-EE" dirty="0" smtClean="0"/>
-              <a:t> </a:t>
-            </a:r>
-            <a:r>
-              <a:rPr lang="et-EE" dirty="0" err="1" smtClean="0"/>
-              <a:t>third</a:t>
-            </a:r>
-            <a:r>
-              <a:rPr lang="et-EE" dirty="0" smtClean="0"/>
-              <a:t> </a:t>
-            </a:r>
-            <a:r>
-              <a:rPr lang="et-EE" dirty="0" err="1" smtClean="0"/>
-              <a:t>transaction</a:t>
-            </a:r>
-            <a:endParaRPr lang="et-EE" dirty="0" smtClean="0"/>
-          </a:p>
-          <a:p>
-            <a:endParaRPr lang="et-EE" dirty="0" smtClean="0"/>
-          </a:p>
-          <a:p>
-            <a:pPr marL="0" indent="0">
-              <a:buNone/>
-            </a:pPr>
-            <a:r>
-              <a:rPr lang="et-EE" dirty="0" smtClean="0"/>
-              <a:t>CTR</a:t>
-            </a:r>
-            <a:endParaRPr lang="et-EE" dirty="0"/>
-          </a:p>
-          <a:p>
-            <a:endParaRPr lang="et-EE" dirty="0" smtClean="0"/>
-          </a:p>
-          <a:p>
-            <a:pPr marL="0" indent="0">
-              <a:buNone/>
-            </a:pPr>
-            <a:r>
-              <a:rPr lang="et-EE" dirty="0" smtClean="0"/>
-              <a:t>BAD</a:t>
-            </a:r>
-          </a:p>
-          <a:p>
-            <a:pPr marL="0" indent="0">
-              <a:buNone/>
-            </a:pPr>
-            <a:r>
-              <a:rPr lang="et-EE" dirty="0" err="1" smtClean="0"/>
-              <a:t>False</a:t>
-            </a:r>
-            <a:r>
-              <a:rPr lang="et-EE" dirty="0" smtClean="0"/>
-              <a:t> </a:t>
-            </a:r>
-            <a:r>
-              <a:rPr lang="et-EE" dirty="0" err="1" smtClean="0"/>
-              <a:t>requests</a:t>
-            </a:r>
-            <a:r>
-              <a:rPr lang="et-EE" dirty="0" smtClean="0"/>
-              <a:t>/</a:t>
-            </a:r>
-            <a:r>
-              <a:rPr lang="et-EE" dirty="0" err="1" smtClean="0"/>
-              <a:t>spamming</a:t>
-            </a:r>
-            <a:endParaRPr lang="et-EE" dirty="0" smtClean="0"/>
-          </a:p>
-          <a:p>
-            <a:pPr marL="0" indent="0">
-              <a:buNone/>
-            </a:pPr>
-            <a:r>
-              <a:rPr lang="et-EE" dirty="0" smtClean="0"/>
-              <a:t>% </a:t>
-            </a:r>
-            <a:r>
-              <a:rPr lang="et-EE" dirty="0" err="1" smtClean="0"/>
-              <a:t>Not</a:t>
-            </a:r>
-            <a:r>
-              <a:rPr lang="et-EE" dirty="0" smtClean="0"/>
-              <a:t> </a:t>
-            </a:r>
-            <a:r>
-              <a:rPr lang="et-EE" dirty="0" err="1" smtClean="0"/>
-              <a:t>completed</a:t>
-            </a:r>
-            <a:endParaRPr lang="et-EE" dirty="0" smtClean="0"/>
-          </a:p>
-        </p:txBody>
-      </p:sp>
-    </p:spTree>
-    <p:extLst>
-      <p:ext uri="{BB962C8B-B14F-4D97-AF65-F5344CB8AC3E}">
-        <p14:creationId xmlns:p14="http://schemas.microsoft.com/office/powerpoint/2010/main" val="3438182061"/>
-      </p:ext>
-    </p:extLst>
-  </p:cSld>
-  <p:clrMapOvr>
-    <a:masterClrMapping/>
-  </p:clrMapOvr>
-  <p:timing>
-    <p:tnLst>
-      <p:par>
-        <p:cTn id="1" dur="indefinite" restart="never" nodeType="tmRoot"/>
-      </p:par>
-    </p:tnLst>
-  </p:timing>
-</p:sld>
-</file>
-
 <file path=ppt/slides/slide8.xml><?xml version="1.0" encoding="utf-8"?>
 <p:sld xmlns:a="http://schemas.openxmlformats.org/drawingml/2006/main" xmlns:r="http://schemas.openxmlformats.org/officeDocument/2006/relationships" xmlns:p="http://schemas.openxmlformats.org/presentationml/2006/main">
   <p:cSld>
@@ -4248,57 +4261,7 @@
                   </a:schemeClr>
                 </a:solidFill>
               </a:rPr>
-              <a:t>When</a:t>
-            </a:r>
-            <a:r>
-              <a:rPr lang="et-EE" dirty="0" smtClean="0">
-                <a:solidFill>
-                  <a:schemeClr val="bg2">
-                    <a:lumMod val="50000"/>
-                  </a:schemeClr>
-                </a:solidFill>
-              </a:rPr>
-              <a:t> </a:t>
-            </a:r>
-            <a:r>
-              <a:rPr lang="et-EE" dirty="0" err="1" smtClean="0">
-                <a:solidFill>
-                  <a:schemeClr val="bg2">
-                    <a:lumMod val="50000"/>
-                  </a:schemeClr>
-                </a:solidFill>
-              </a:rPr>
-              <a:t>to</a:t>
-            </a:r>
-            <a:r>
-              <a:rPr lang="et-EE" dirty="0" smtClean="0">
-                <a:solidFill>
-                  <a:schemeClr val="bg2">
-                    <a:lumMod val="50000"/>
-                  </a:schemeClr>
-                </a:solidFill>
-              </a:rPr>
-              <a:t> </a:t>
-            </a:r>
-            <a:r>
-              <a:rPr lang="et-EE" dirty="0" err="1" smtClean="0">
-                <a:solidFill>
-                  <a:schemeClr val="bg2">
-                    <a:lumMod val="50000"/>
-                  </a:schemeClr>
-                </a:solidFill>
-              </a:rPr>
-              <a:t>use</a:t>
-            </a:r>
-            <a:r>
-              <a:rPr lang="et-EE" dirty="0" smtClean="0">
-                <a:solidFill>
-                  <a:schemeClr val="bg2">
-                    <a:lumMod val="50000"/>
-                  </a:schemeClr>
-                </a:solidFill>
-              </a:rPr>
-              <a:t>?</a:t>
+              <a:t>Metrics</a:t>
             </a:r>
             <a:endParaRPr lang="et-EE" dirty="0">
               <a:solidFill>
@@ -4322,7 +4285,7 @@
         </p:nvSpPr>
         <p:spPr>
           <a:xfrm>
-            <a:off x="851848" y="2506662"/>
+            <a:off x="2980898" y="1757385"/>
             <a:ext cx="10515600" cy="4351338"/>
           </a:xfrm>
         </p:spPr>
@@ -4332,67 +4295,131 @@
           </a:bodyPr>
           <a:lstStyle/>
           <a:p>
-            <a:pPr marL="0" indent="0" algn="ctr">
+            <a:pPr marL="0" indent="0">
               <a:buNone/>
             </a:pPr>
             <a:r>
-              <a:rPr lang="et-EE" sz="4800" dirty="0" smtClean="0"/>
-              <a:t>No </a:t>
-            </a:r>
-            <a:r>
-              <a:rPr lang="et-EE" sz="4800" dirty="0" err="1" smtClean="0"/>
-              <a:t>card</a:t>
-            </a:r>
-            <a:r>
-              <a:rPr lang="et-EE" sz="4800" dirty="0" smtClean="0"/>
+              <a:rPr lang="et-EE" dirty="0" smtClean="0"/>
+              <a:t>GOOD</a:t>
+            </a:r>
+          </a:p>
+          <a:p>
+            <a:pPr marL="0" indent="0">
+              <a:buNone/>
+            </a:pPr>
+            <a:r>
+              <a:rPr lang="et-EE" dirty="0" smtClean="0"/>
+              <a:t>% </a:t>
+            </a:r>
+            <a:r>
+              <a:rPr lang="et-EE" dirty="0" err="1" smtClean="0"/>
+              <a:t>first</a:t>
+            </a:r>
+            <a:r>
+              <a:rPr lang="et-EE" dirty="0" smtClean="0"/>
               <a:t> </a:t>
             </a:r>
             <a:r>
-              <a:rPr lang="et-EE" sz="4800" dirty="0" err="1" smtClean="0"/>
-              <a:t>payment</a:t>
-            </a:r>
-            <a:r>
-              <a:rPr lang="et-EE" sz="4800" dirty="0" smtClean="0"/>
+              <a:rPr lang="et-EE" dirty="0" err="1" smtClean="0"/>
+              <a:t>to</a:t>
+            </a:r>
+            <a:r>
+              <a:rPr lang="et-EE" dirty="0" smtClean="0"/>
               <a:t> </a:t>
             </a:r>
             <a:r>
-              <a:rPr lang="et-EE" sz="4800" dirty="0" err="1" smtClean="0"/>
-              <a:t>available</a:t>
-            </a:r>
-            <a:endParaRPr lang="et-EE" sz="4800" dirty="0" smtClean="0"/>
-          </a:p>
-          <a:p>
-            <a:pPr marL="0" indent="0" algn="ctr">
+              <a:rPr lang="et-EE" dirty="0" err="1" smtClean="0"/>
+              <a:t>third</a:t>
+            </a:r>
+            <a:r>
+              <a:rPr lang="et-EE" dirty="0" smtClean="0"/>
+              <a:t> </a:t>
+            </a:r>
+            <a:r>
+              <a:rPr lang="et-EE" dirty="0" err="1" smtClean="0"/>
+              <a:t>transaction</a:t>
+            </a:r>
+            <a:endParaRPr lang="et-EE" dirty="0" smtClean="0"/>
+          </a:p>
+          <a:p>
+            <a:endParaRPr lang="et-EE" dirty="0" smtClean="0"/>
+          </a:p>
+          <a:p>
+            <a:pPr marL="0" indent="0">
               <a:buNone/>
             </a:pPr>
             <a:r>
-              <a:rPr lang="et-EE" sz="4800" dirty="0" err="1" smtClean="0"/>
-              <a:t>Buyer</a:t>
-            </a:r>
-            <a:r>
-              <a:rPr lang="et-EE" sz="4800" dirty="0" smtClean="0"/>
+              <a:rPr lang="et-EE" dirty="0" smtClean="0"/>
+              <a:t>CTR</a:t>
+            </a:r>
+            <a:endParaRPr lang="et-EE" dirty="0"/>
+          </a:p>
+          <a:p>
+            <a:endParaRPr lang="et-EE" dirty="0" smtClean="0"/>
+          </a:p>
+          <a:p>
+            <a:pPr marL="0" indent="0">
+              <a:buNone/>
+            </a:pPr>
+            <a:r>
+              <a:rPr lang="et-EE" dirty="0" smtClean="0"/>
+              <a:t>BAD</a:t>
+            </a:r>
+          </a:p>
+          <a:p>
+            <a:pPr marL="0" indent="0">
+              <a:buNone/>
+            </a:pPr>
+            <a:r>
+              <a:rPr lang="et-EE" dirty="0" err="1" smtClean="0"/>
+              <a:t>False</a:t>
+            </a:r>
+            <a:r>
+              <a:rPr lang="et-EE" dirty="0" smtClean="0"/>
               <a:t> </a:t>
             </a:r>
             <a:r>
-              <a:rPr lang="et-EE" sz="4800" dirty="0" err="1" smtClean="0"/>
-              <a:t>has</a:t>
-            </a:r>
-            <a:r>
-              <a:rPr lang="et-EE" sz="4800" dirty="0" smtClean="0"/>
-              <a:t> no </a:t>
-            </a:r>
-            <a:r>
-              <a:rPr lang="et-EE" sz="4800" dirty="0" err="1" smtClean="0"/>
-              <a:t>cash</a:t>
-            </a:r>
-            <a:endParaRPr lang="et-EE" sz="4800" dirty="0"/>
+              <a:rPr lang="et-EE" dirty="0" err="1" smtClean="0"/>
+              <a:t>requests</a:t>
+            </a:r>
+            <a:r>
+              <a:rPr lang="et-EE" dirty="0" smtClean="0"/>
+              <a:t>/</a:t>
+            </a:r>
+            <a:r>
+              <a:rPr lang="et-EE" dirty="0" err="1" smtClean="0"/>
+              <a:t>spamming</a:t>
+            </a:r>
+            <a:endParaRPr lang="et-EE" dirty="0" smtClean="0"/>
+          </a:p>
+          <a:p>
+            <a:pPr marL="0" indent="0">
+              <a:buNone/>
+            </a:pPr>
+            <a:r>
+              <a:rPr lang="et-EE" dirty="0" smtClean="0"/>
+              <a:t>% </a:t>
+            </a:r>
+            <a:r>
+              <a:rPr lang="et-EE" dirty="0" err="1" smtClean="0"/>
+              <a:t>Not</a:t>
+            </a:r>
+            <a:r>
+              <a:rPr lang="et-EE" dirty="0" smtClean="0"/>
+              <a:t> </a:t>
+            </a:r>
+            <a:r>
+              <a:rPr lang="et-EE" dirty="0" err="1" smtClean="0"/>
+              <a:t>completed</a:t>
+            </a:r>
+            <a:endParaRPr lang="et-EE" dirty="0" smtClean="0"/>
           </a:p>
         </p:txBody>
       </p:sp>
     </p:spTree>
     <p:extLst>
       <p:ext uri="{BB962C8B-B14F-4D97-AF65-F5344CB8AC3E}">
-        <p14:creationId xmlns:p14="http://schemas.microsoft.com/office/powerpoint/2010/main" val="459274083"/>
+        <p14:creationId xmlns:p14="http://schemas.microsoft.com/office/powerpoint/2010/main" val="3438182061"/>
       </p:ext>
     </p:extLst>
   </p:cSld>
@@ -4447,6 +4474,16 @@
           <a:lstStyle/>
           <a:p>
             <a:r>
+              <a:rPr lang="et-EE" dirty="0" err="1" smtClean="0">
+                <a:solidFill>
+                  <a:schemeClr val="bg2">
+                    <a:lumMod val="50000"/>
+                  </a:schemeClr>
+                </a:solidFill>
+              </a:rPr>
+              <a:t>When</a:t>
+            </a:r>
+            <a:r>
               <a:rPr lang="et-EE" dirty="0" smtClean="0">
                 <a:solidFill>
                   <a:schemeClr val="bg2">
@@ -4454,7 +4491,47 @@
                   </a:schemeClr>
                 </a:solidFill>
               </a:rPr>
-              <a:t>Market</a:t>
+              <a:t> </a:t>
+            </a:r>
+            <a:r>
+              <a:rPr lang="et-EE" dirty="0" err="1" smtClean="0">
+                <a:solidFill>
+                  <a:schemeClr val="bg2">
+                    <a:lumMod val="50000"/>
+                  </a:schemeClr>
+                </a:solidFill>
+              </a:rPr>
+              <a:t>to</a:t>
+            </a:r>
+            <a:r>
+              <a:rPr lang="et-EE" dirty="0" smtClean="0">
+                <a:solidFill>
+                  <a:schemeClr val="bg2">
+                    <a:lumMod val="50000"/>
+                  </a:schemeClr>
+                </a:solidFill>
+              </a:rPr>
+              <a:t> </a:t>
+            </a:r>
+            <a:r>
+              <a:rPr lang="et-EE" dirty="0" err="1" smtClean="0">
+                <a:solidFill>
+                  <a:schemeClr val="bg2">
+                    <a:lumMod val="50000"/>
+                  </a:schemeClr>
+                </a:solidFill>
+              </a:rPr>
+              <a:t>use</a:t>
+            </a:r>
+            <a:r>
+              <a:rPr lang="et-EE" dirty="0" smtClean="0">
+                <a:solidFill>
+                  <a:schemeClr val="bg2">
+                    <a:lumMod val="50000"/>
+                  </a:schemeClr>
+                </a:solidFill>
+              </a:rPr>
+              <a:t>?</a:t>
             </a:r>
             <a:endParaRPr lang="et-EE" dirty="0">
               <a:solidFill>
@@ -4478,7 +4555,7 @@
         </p:nvSpPr>
         <p:spPr>
           <a:xfrm>
-            <a:off x="838200" y="2506662"/>
+            <a:off x="851848" y="2506662"/>
             <a:ext cx="10515600" cy="4351338"/>
           </a:xfrm>
         </p:spPr>
@@ -4492,56 +4569,63 @@
               <a:buNone/>
             </a:pPr>
             <a:r>
-              <a:rPr lang="et-EE" sz="5400" dirty="0" err="1" smtClean="0"/>
-              <a:t>Farmers</a:t>
-            </a:r>
-            <a:r>
-              <a:rPr lang="et-EE" sz="5400" dirty="0" smtClean="0"/>
-              <a:t> market</a:t>
-            </a:r>
+              <a:rPr lang="et-EE" sz="4800" dirty="0" smtClean="0"/>
+              <a:t>No </a:t>
+            </a:r>
+            <a:r>
+              <a:rPr lang="et-EE" sz="4800" dirty="0" err="1" smtClean="0"/>
+              <a:t>card</a:t>
+            </a:r>
+            <a:r>
+              <a:rPr lang="et-EE" sz="4800" dirty="0" smtClean="0"/>
+              <a:t> </a:t>
+            </a:r>
+            <a:r>
+              <a:rPr lang="et-EE" sz="4800" dirty="0" err="1" smtClean="0"/>
+              <a:t>payment</a:t>
+            </a:r>
+            <a:r>
+              <a:rPr lang="et-EE" sz="4800" dirty="0" smtClean="0"/>
+              <a:t> </a:t>
+            </a:r>
+            <a:r>
+              <a:rPr lang="et-EE" sz="4800" dirty="0" err="1" smtClean="0"/>
+              <a:t>available</a:t>
+            </a:r>
+            <a:endParaRPr lang="et-EE" sz="4800" dirty="0" smtClean="0"/>
           </a:p>
           <a:p>
             <a:pPr marL="0" indent="0" algn="ctr">
               <a:buNone/>
             </a:pPr>
             <a:r>
-              <a:rPr lang="et-EE" sz="5400" dirty="0" err="1" smtClean="0"/>
-              <a:t>Fairs</a:t>
-            </a:r>
-            <a:endParaRPr lang="et-EE" sz="5400" dirty="0" smtClean="0"/>
-          </a:p>
-          <a:p>
-            <a:pPr marL="0" indent="0" algn="ctr">
-              <a:buNone/>
-            </a:pPr>
-            <a:r>
-              <a:rPr lang="et-EE" sz="5400" dirty="0" err="1" smtClean="0"/>
-              <a:t>Taxis</a:t>
-            </a:r>
-            <a:endParaRPr lang="et-EE" sz="5400" dirty="0" smtClean="0"/>
-          </a:p>
-          <a:p>
-            <a:pPr marL="0" indent="0" algn="ctr">
-              <a:buNone/>
-            </a:pPr>
-            <a:r>
-              <a:rPr lang="et-EE" sz="5400" dirty="0" err="1" smtClean="0"/>
-              <a:t>Buses</a:t>
-            </a:r>
-            <a:endParaRPr lang="et-EE" sz="5400" dirty="0" smtClean="0"/>
-          </a:p>
-          <a:p>
-            <a:pPr marL="0" indent="0" algn="ctr">
-              <a:buNone/>
-            </a:pPr>
-            <a:endParaRPr lang="et-EE" sz="5400" dirty="0"/>
+              <a:rPr lang="et-EE" sz="4800" dirty="0" err="1" smtClean="0"/>
+              <a:t>Buyer</a:t>
+            </a:r>
+            <a:r>
+              <a:rPr lang="et-EE" sz="4800" dirty="0" smtClean="0"/>
+              <a:t> </a:t>
+            </a:r>
+            <a:r>
+              <a:rPr lang="et-EE" sz="4800" dirty="0" err="1" smtClean="0"/>
+              <a:t>has</a:t>
+            </a:r>
+            <a:r>
+              <a:rPr lang="et-EE" sz="4800" dirty="0" smtClean="0"/>
+              <a:t> no </a:t>
+            </a:r>
+            <a:r>
+              <a:rPr lang="et-EE" sz="4800" dirty="0" err="1" smtClean="0"/>
+              <a:t>cash</a:t>
+            </a:r>
+            <a:endParaRPr lang="et-EE" sz="4800" dirty="0"/>
           </a:p>
         </p:txBody>
       </p:sp>
     </p:spTree>
     <p:extLst>
       <p:ext uri="{BB962C8B-B14F-4D97-AF65-F5344CB8AC3E}">
-        <p14:creationId xmlns:p14="http://schemas.microsoft.com/office/powerpoint/2010/main" val="30855922"/>
+        <p14:creationId xmlns:p14="http://schemas.microsoft.com/office/powerpoint/2010/main" val="459274083"/>
       </p:ext>
     </p:extLst>
   </p:cSld>
